--- a/angularjs/slides/01_Introduction.pptx
+++ b/angularjs/slides/01_Introduction.pptx
@@ -284,7 +284,7 @@
               <a:pPr>
                 <a:defRPr/>
               </a:pPr>
-              <a:t>11/23/2013</a:t>
+              <a:t>11/24/2013</a:t>
             </a:fld>
             <a:endParaRPr lang="en-US"/>
           </a:p>
@@ -2447,11 +2447,7 @@
             <a:pPr marL="0" indent="0" defTabSz="914400" eaLnBrk="1" hangingPunct="1"/>
             <a:r>
               <a:rPr lang="en-US" dirty="0" smtClean="0"/>
-              <a:t>Introduction </a:t>
-            </a:r>
-            <a:r>
-              <a:rPr lang="en-US" dirty="0" smtClean="0"/>
-              <a:t>To AngularJS</a:t>
+              <a:t>Introduction To AngularJS</a:t>
             </a:r>
           </a:p>
         </p:txBody>
@@ -3107,7 +3103,19 @@
           <a:p>
             <a:r>
               <a:rPr lang="en-US" dirty="0" smtClean="0"/>
-              <a:t>Ng versus Unobtrusive JavaScript</a:t>
+              <a:t>Ng </a:t>
+            </a:r>
+            <a:r>
+              <a:rPr lang="en-US" dirty="0"/>
+              <a:t>E</a:t>
+            </a:r>
+            <a:r>
+              <a:rPr lang="en-US" dirty="0" smtClean="0"/>
+              <a:t>vents versus </a:t>
+            </a:r>
+            <a:r>
+              <a:rPr lang="en-US" dirty="0" smtClean="0"/>
+              <a:t>Unobtrusive JavaScript</a:t>
             </a:r>
             <a:endParaRPr lang="en-US" dirty="0"/>
           </a:p>
@@ -4556,14 +4564,14 @@
           <a:p>
             <a:r>
               <a:rPr lang="en-US" dirty="0" smtClean="0"/>
-              <a:t>Make A Better Browser</a:t>
+              <a:t>Forward Looking</a:t>
             </a:r>
           </a:p>
           <a:p>
             <a:pPr lvl="1"/>
             <a:r>
               <a:rPr lang="en-US" dirty="0" smtClean="0"/>
-              <a:t>Routing, history, custom HTML components</a:t>
+              <a:t>What HTML + JS Will Look Like …</a:t>
             </a:r>
           </a:p>
           <a:p>
@@ -5424,7 +5432,17 @@
           <a:p>
             <a:r>
               <a:rPr lang="en-US" dirty="0" smtClean="0"/>
-              <a:t>Data and behavior for the application</a:t>
+              <a:t>POJOs!</a:t>
+            </a:r>
+          </a:p>
+          <a:p>
+            <a:r>
+              <a:rPr lang="en-US" dirty="0" smtClean="0"/>
+              <a:t>Data </a:t>
+            </a:r>
+            <a:r>
+              <a:rPr lang="en-US" dirty="0" smtClean="0"/>
+              <a:t>and behavior for the application</a:t>
             </a:r>
           </a:p>
           <a:p>
@@ -5459,7 +5477,7 @@
         </p:blipFill>
         <p:spPr bwMode="auto">
           <a:xfrm>
-            <a:off x="1600513" y="2426110"/>
+            <a:off x="1600827" y="2743200"/>
             <a:ext cx="5942973" cy="3505200"/>
           </a:xfrm>
           <a:prstGeom prst="rect">

--- a/angularjs/slides/01_Introduction.pptx
+++ b/angularjs/slides/01_Introduction.pptx
@@ -5,10 +5,10 @@
     <p:sldMasterId id="2147483772" r:id="rId1"/>
   </p:sldMasterIdLst>
   <p:notesMasterIdLst>
-    <p:notesMasterId r:id="rId23"/>
+    <p:notesMasterId r:id="rId24"/>
   </p:notesMasterIdLst>
   <p:handoutMasterIdLst>
-    <p:handoutMasterId r:id="rId24"/>
+    <p:handoutMasterId r:id="rId25"/>
   </p:handoutMasterIdLst>
   <p:sldIdLst>
     <p:sldId id="327" r:id="rId2"/>
@@ -18,20 +18,21 @@
     <p:sldId id="343" r:id="rId6"/>
     <p:sldId id="331" r:id="rId7"/>
     <p:sldId id="332" r:id="rId8"/>
-    <p:sldId id="333" r:id="rId9"/>
-    <p:sldId id="334" r:id="rId10"/>
-    <p:sldId id="341" r:id="rId11"/>
-    <p:sldId id="335" r:id="rId12"/>
-    <p:sldId id="336" r:id="rId13"/>
-    <p:sldId id="337" r:id="rId14"/>
-    <p:sldId id="338" r:id="rId15"/>
-    <p:sldId id="346" r:id="rId16"/>
-    <p:sldId id="339" r:id="rId17"/>
-    <p:sldId id="340" r:id="rId18"/>
-    <p:sldId id="342" r:id="rId19"/>
-    <p:sldId id="347" r:id="rId20"/>
-    <p:sldId id="344" r:id="rId21"/>
-    <p:sldId id="345" r:id="rId22"/>
+    <p:sldId id="348" r:id="rId9"/>
+    <p:sldId id="333" r:id="rId10"/>
+    <p:sldId id="334" r:id="rId11"/>
+    <p:sldId id="341" r:id="rId12"/>
+    <p:sldId id="335" r:id="rId13"/>
+    <p:sldId id="336" r:id="rId14"/>
+    <p:sldId id="337" r:id="rId15"/>
+    <p:sldId id="338" r:id="rId16"/>
+    <p:sldId id="346" r:id="rId17"/>
+    <p:sldId id="339" r:id="rId18"/>
+    <p:sldId id="340" r:id="rId19"/>
+    <p:sldId id="342" r:id="rId20"/>
+    <p:sldId id="347" r:id="rId21"/>
+    <p:sldId id="344" r:id="rId22"/>
+    <p:sldId id="345" r:id="rId23"/>
   </p:sldIdLst>
   <p:sldSz cx="9144000" cy="6858000" type="screen4x3"/>
   <p:notesSz cx="7302500" cy="9588500"/>
@@ -284,7 +285,7 @@
               <a:pPr>
                 <a:defRPr/>
               </a:pPr>
-              <a:t>11/24/2013</a:t>
+              <a:t>9/26/2014</a:t>
             </a:fld>
             <a:endParaRPr lang="en-US"/>
           </a:p>
@@ -2527,6 +2528,138 @@
           <a:p>
             <a:r>
               <a:rPr lang="en-US" dirty="0" smtClean="0"/>
+              <a:t>Models</a:t>
+            </a:r>
+            <a:endParaRPr lang="en-US" dirty="0"/>
+          </a:p>
+        </p:txBody>
+      </p:sp>
+      <p:sp>
+        <p:nvSpPr>
+          <p:cNvPr id="3" name="Text Placeholder 2"/>
+          <p:cNvSpPr>
+            <a:spLocks noGrp="1"/>
+          </p:cNvSpPr>
+          <p:nvPr>
+            <p:ph type="body" idx="1"/>
+          </p:nvPr>
+        </p:nvSpPr>
+        <p:spPr/>
+        <p:txBody>
+          <a:bodyPr/>
+          <a:lstStyle/>
+          <a:p>
+            <a:r>
+              <a:rPr lang="en-US" dirty="0" smtClean="0"/>
+              <a:t>POJOs!</a:t>
+            </a:r>
+          </a:p>
+          <a:p>
+            <a:r>
+              <a:rPr lang="en-US" dirty="0" smtClean="0"/>
+              <a:t>Data and behavior for the application</a:t>
+            </a:r>
+          </a:p>
+          <a:p>
+            <a:r>
+              <a:rPr lang="en-US" dirty="0" smtClean="0"/>
+              <a:t>Assigned to $scope inside a controller</a:t>
+            </a:r>
+            <a:endParaRPr lang="en-US" dirty="0"/>
+          </a:p>
+        </p:txBody>
+      </p:sp>
+      <p:pic>
+        <p:nvPicPr>
+          <p:cNvPr id="3076" name="Picture 4" descr="http://docs.angularjs.org/img/guide/concepts-databinding1.png"/>
+          <p:cNvPicPr>
+            <a:picLocks noChangeAspect="1" noChangeArrowheads="1"/>
+          </p:cNvPicPr>
+          <p:nvPr/>
+        </p:nvPicPr>
+        <p:blipFill>
+          <a:blip r:embed="rId2">
+            <a:extLst>
+              <a:ext uri="{28A0092B-C50C-407E-A947-70E740481C1C}">
+                <a14:useLocalDpi xmlns:a14="http://schemas.microsoft.com/office/drawing/2010/main" val="0"/>
+              </a:ext>
+            </a:extLst>
+          </a:blip>
+          <a:srcRect/>
+          <a:stretch>
+            <a:fillRect/>
+          </a:stretch>
+        </p:blipFill>
+        <p:spPr bwMode="auto">
+          <a:xfrm>
+            <a:off x="1600827" y="2743200"/>
+            <a:ext cx="5942973" cy="3505200"/>
+          </a:xfrm>
+          <a:prstGeom prst="rect">
+            <a:avLst/>
+          </a:prstGeom>
+          <a:noFill/>
+          <a:extLst>
+            <a:ext uri="{909E8E84-426E-40DD-AFC4-6F175D3DCCD1}">
+              <a14:hiddenFill xmlns:a14="http://schemas.microsoft.com/office/drawing/2010/main">
+                <a:solidFill>
+                  <a:srgbClr val="FFFFFF"/>
+                </a:solidFill>
+              </a14:hiddenFill>
+            </a:ext>
+          </a:extLst>
+        </p:spPr>
+      </p:pic>
+    </p:spTree>
+    <p:extLst>
+      <p:ext uri="{BB962C8B-B14F-4D97-AF65-F5344CB8AC3E}">
+        <p14:creationId xmlns:p14="http://schemas.microsoft.com/office/powerpoint/2010/main" val="1489135629"/>
+      </p:ext>
+    </p:extLst>
+  </p:cSld>
+  <p:clrMapOvr>
+    <a:masterClrMapping/>
+  </p:clrMapOvr>
+  <p:transition>
+    <p:fade/>
+  </p:transition>
+</p:sld>
+</file>
+
+<file path=ppt/slides/slide11.xml><?xml version="1.0" encoding="utf-8"?>
+<p:sld xmlns:a="http://schemas.openxmlformats.org/drawingml/2006/main" xmlns:r="http://schemas.openxmlformats.org/officeDocument/2006/relationships" xmlns:p="http://schemas.openxmlformats.org/presentationml/2006/main">
+  <p:cSld>
+    <p:spTree>
+      <p:nvGrpSpPr>
+        <p:cNvPr id="1" name=""/>
+        <p:cNvGrpSpPr/>
+        <p:nvPr/>
+      </p:nvGrpSpPr>
+      <p:grpSpPr>
+        <a:xfrm>
+          <a:off x="0" y="0"/>
+          <a:ext cx="0" cy="0"/>
+          <a:chOff x="0" y="0"/>
+          <a:chExt cx="0" cy="0"/>
+        </a:xfrm>
+      </p:grpSpPr>
+      <p:sp>
+        <p:nvSpPr>
+          <p:cNvPr id="2" name="Title 1"/>
+          <p:cNvSpPr>
+            <a:spLocks noGrp="1"/>
+          </p:cNvSpPr>
+          <p:nvPr>
+            <p:ph type="title"/>
+          </p:nvPr>
+        </p:nvSpPr>
+        <p:spPr/>
+        <p:txBody>
+          <a:bodyPr/>
+          <a:lstStyle/>
+          <a:p>
+            <a:r>
+              <a:rPr lang="en-US" dirty="0" smtClean="0"/>
               <a:t>Anatomy</a:t>
             </a:r>
             <a:endParaRPr lang="en-US" dirty="0"/>
@@ -2636,7 +2769,7 @@
 </p:sld>
 </file>
 
-<file path=ppt/slides/slide11.xml><?xml version="1.0" encoding="utf-8"?>
+<file path=ppt/slides/slide12.xml><?xml version="1.0" encoding="utf-8"?>
 <p:sld xmlns:a="http://schemas.openxmlformats.org/drawingml/2006/main" xmlns:r="http://schemas.openxmlformats.org/officeDocument/2006/relationships" xmlns:p="http://schemas.openxmlformats.org/presentationml/2006/main">
   <p:cSld>
     <p:spTree>
@@ -2778,7 +2911,7 @@
 </p:sld>
 </file>
 
-<file path=ppt/slides/slide12.xml><?xml version="1.0" encoding="utf-8"?>
+<file path=ppt/slides/slide13.xml><?xml version="1.0" encoding="utf-8"?>
 <p:sld xmlns:a="http://schemas.openxmlformats.org/drawingml/2006/main" xmlns:r="http://schemas.openxmlformats.org/officeDocument/2006/relationships" xmlns:p="http://schemas.openxmlformats.org/presentationml/2006/main">
   <p:cSld>
     <p:spTree>
@@ -2940,7 +3073,7 @@
 </p:sld>
 </file>
 
-<file path=ppt/slides/slide13.xml><?xml version="1.0" encoding="utf-8"?>
+<file path=ppt/slides/slide14.xml><?xml version="1.0" encoding="utf-8"?>
 <p:sld xmlns:a="http://schemas.openxmlformats.org/drawingml/2006/main" xmlns:r="http://schemas.openxmlformats.org/officeDocument/2006/relationships" xmlns:p="http://schemas.openxmlformats.org/presentationml/2006/main">
   <p:cSld>
     <p:spTree>
@@ -3069,7 +3202,7 @@
 </p:sld>
 </file>
 
-<file path=ppt/slides/slide14.xml><?xml version="1.0" encoding="utf-8"?>
+<file path=ppt/slides/slide15.xml><?xml version="1.0" encoding="utf-8"?>
 <p:sld xmlns:a="http://schemas.openxmlformats.org/drawingml/2006/main" xmlns:r="http://schemas.openxmlformats.org/officeDocument/2006/relationships" xmlns:p="http://schemas.openxmlformats.org/presentationml/2006/main">
   <p:cSld>
     <p:spTree>
@@ -3111,11 +3244,7 @@
             </a:r>
             <a:r>
               <a:rPr lang="en-US" dirty="0" smtClean="0"/>
-              <a:t>vents versus </a:t>
-            </a:r>
-            <a:r>
-              <a:rPr lang="en-US" dirty="0" smtClean="0"/>
-              <a:t>Unobtrusive JavaScript</a:t>
+              <a:t>vents versus Unobtrusive JavaScript</a:t>
             </a:r>
             <a:endParaRPr lang="en-US" dirty="0"/>
           </a:p>
@@ -3211,7 +3340,7 @@
 </p:sld>
 </file>
 
-<file path=ppt/slides/slide15.xml><?xml version="1.0" encoding="utf-8"?>
+<file path=ppt/slides/slide16.xml><?xml version="1.0" encoding="utf-8"?>
 <p:sld xmlns:a="http://schemas.openxmlformats.org/drawingml/2006/main" xmlns:r="http://schemas.openxmlformats.org/officeDocument/2006/relationships" xmlns:p="http://schemas.openxmlformats.org/presentationml/2006/main">
   <p:cSld>
     <p:spTree>
@@ -3366,7 +3495,7 @@
 </p:sld>
 </file>
 
-<file path=ppt/slides/slide16.xml><?xml version="1.0" encoding="utf-8"?>
+<file path=ppt/slides/slide17.xml><?xml version="1.0" encoding="utf-8"?>
 <p:sld xmlns:a="http://schemas.openxmlformats.org/drawingml/2006/main" xmlns:r="http://schemas.openxmlformats.org/officeDocument/2006/relationships" xmlns:p="http://schemas.openxmlformats.org/presentationml/2006/main">
   <p:cSld>
     <p:spTree>
@@ -3525,7 +3654,7 @@
 </p:sld>
 </file>
 
-<file path=ppt/slides/slide17.xml><?xml version="1.0" encoding="utf-8"?>
+<file path=ppt/slides/slide18.xml><?xml version="1.0" encoding="utf-8"?>
 <p:sld xmlns:a="http://schemas.openxmlformats.org/drawingml/2006/main" xmlns:r="http://schemas.openxmlformats.org/officeDocument/2006/relationships" xmlns:p="http://schemas.openxmlformats.org/presentationml/2006/main">
   <p:cSld>
     <p:spTree>
@@ -3682,7 +3811,7 @@
 </p:sld>
 </file>
 
-<file path=ppt/slides/slide18.xml><?xml version="1.0" encoding="utf-8"?>
+<file path=ppt/slides/slide19.xml><?xml version="1.0" encoding="utf-8"?>
 <p:sld xmlns:a="http://schemas.openxmlformats.org/drawingml/2006/main" xmlns:r="http://schemas.openxmlformats.org/officeDocument/2006/relationships" xmlns:p="http://schemas.openxmlformats.org/presentationml/2006/main">
   <p:cSld>
     <p:spTree>
@@ -3813,132 +3942,6 @@
     <p:extLst>
       <p:ext uri="{BB962C8B-B14F-4D97-AF65-F5344CB8AC3E}">
         <p14:creationId xmlns:p14="http://schemas.microsoft.com/office/powerpoint/2010/main" val="2059749060"/>
-      </p:ext>
-    </p:extLst>
-  </p:cSld>
-  <p:clrMapOvr>
-    <a:masterClrMapping/>
-  </p:clrMapOvr>
-  <p:transition>
-    <p:fade/>
-  </p:transition>
-</p:sld>
-</file>
-
-<file path=ppt/slides/slide19.xml><?xml version="1.0" encoding="utf-8"?>
-<p:sld xmlns:a="http://schemas.openxmlformats.org/drawingml/2006/main" xmlns:r="http://schemas.openxmlformats.org/officeDocument/2006/relationships" xmlns:p="http://schemas.openxmlformats.org/presentationml/2006/main">
-  <p:cSld>
-    <p:spTree>
-      <p:nvGrpSpPr>
-        <p:cNvPr id="1" name=""/>
-        <p:cNvGrpSpPr/>
-        <p:nvPr/>
-      </p:nvGrpSpPr>
-      <p:grpSpPr>
-        <a:xfrm>
-          <a:off x="0" y="0"/>
-          <a:ext cx="0" cy="0"/>
-          <a:chOff x="0" y="0"/>
-          <a:chExt cx="0" cy="0"/>
-        </a:xfrm>
-      </p:grpSpPr>
-      <p:sp>
-        <p:nvSpPr>
-          <p:cNvPr id="2" name="Title 1"/>
-          <p:cNvSpPr>
-            <a:spLocks noGrp="1"/>
-          </p:cNvSpPr>
-          <p:nvPr>
-            <p:ph type="title"/>
-          </p:nvPr>
-        </p:nvSpPr>
-        <p:spPr/>
-        <p:txBody>
-          <a:bodyPr/>
-          <a:lstStyle/>
-          <a:p>
-            <a:r>
-              <a:rPr lang="en-US" dirty="0" smtClean="0"/>
-              <a:t>Sources and </a:t>
-            </a:r>
-            <a:r>
-              <a:rPr lang="en-US" dirty="0" err="1" smtClean="0"/>
-              <a:t>Hrefs</a:t>
-            </a:r>
-            <a:endParaRPr lang="en-US" dirty="0"/>
-          </a:p>
-        </p:txBody>
-      </p:sp>
-      <p:sp>
-        <p:nvSpPr>
-          <p:cNvPr id="3" name="Text Placeholder 2"/>
-          <p:cNvSpPr>
-            <a:spLocks noGrp="1"/>
-          </p:cNvSpPr>
-          <p:nvPr>
-            <p:ph type="body" idx="1"/>
-          </p:nvPr>
-        </p:nvSpPr>
-        <p:spPr/>
-        <p:txBody>
-          <a:bodyPr/>
-          <a:lstStyle/>
-          <a:p>
-            <a:r>
-              <a:rPr lang="en-US" dirty="0" err="1" smtClean="0"/>
-              <a:t>ngSrc</a:t>
-            </a:r>
-            <a:r>
-              <a:rPr lang="en-US" dirty="0" smtClean="0"/>
-              <a:t> and </a:t>
-            </a:r>
-            <a:r>
-              <a:rPr lang="en-US" dirty="0" err="1" smtClean="0"/>
-              <a:t>ngHref</a:t>
-            </a:r>
-            <a:r>
-              <a:rPr lang="en-US" dirty="0" smtClean="0"/>
-              <a:t> avoid problems</a:t>
-            </a:r>
-          </a:p>
-          <a:p>
-            <a:pPr lvl="1"/>
-            <a:r>
-              <a:rPr lang="en-US" dirty="0" smtClean="0"/>
-              <a:t>Browser won’t preload</a:t>
-            </a:r>
-            <a:endParaRPr lang="en-US" dirty="0"/>
-          </a:p>
-        </p:txBody>
-      </p:sp>
-      <p:pic>
-        <p:nvPicPr>
-          <p:cNvPr id="4" name="Picture 3"/>
-          <p:cNvPicPr>
-            <a:picLocks noChangeAspect="1"/>
-          </p:cNvPicPr>
-          <p:nvPr/>
-        </p:nvPicPr>
-        <p:blipFill>
-          <a:blip r:embed="rId2"/>
-          <a:stretch>
-            <a:fillRect/>
-          </a:stretch>
-        </p:blipFill>
-        <p:spPr>
-          <a:xfrm>
-            <a:off x="1104900" y="3086100"/>
-            <a:ext cx="6515100" cy="723900"/>
-          </a:xfrm>
-          <a:prstGeom prst="rect">
-            <a:avLst/>
-          </a:prstGeom>
-        </p:spPr>
-      </p:pic>
-    </p:spTree>
-    <p:extLst>
-      <p:ext uri="{BB962C8B-B14F-4D97-AF65-F5344CB8AC3E}">
-        <p14:creationId xmlns:p14="http://schemas.microsoft.com/office/powerpoint/2010/main" val="1471293242"/>
       </p:ext>
     </p:extLst>
   </p:cSld>
@@ -4223,6 +4226,132 @@
           <a:lstStyle/>
           <a:p>
             <a:r>
+              <a:rPr lang="en-US" dirty="0" smtClean="0"/>
+              <a:t>Sources and </a:t>
+            </a:r>
+            <a:r>
+              <a:rPr lang="en-US" dirty="0" err="1" smtClean="0"/>
+              <a:t>Hrefs</a:t>
+            </a:r>
+            <a:endParaRPr lang="en-US" dirty="0"/>
+          </a:p>
+        </p:txBody>
+      </p:sp>
+      <p:sp>
+        <p:nvSpPr>
+          <p:cNvPr id="3" name="Text Placeholder 2"/>
+          <p:cNvSpPr>
+            <a:spLocks noGrp="1"/>
+          </p:cNvSpPr>
+          <p:nvPr>
+            <p:ph type="body" idx="1"/>
+          </p:nvPr>
+        </p:nvSpPr>
+        <p:spPr/>
+        <p:txBody>
+          <a:bodyPr/>
+          <a:lstStyle/>
+          <a:p>
+            <a:r>
+              <a:rPr lang="en-US" dirty="0" err="1" smtClean="0"/>
+              <a:t>ngSrc</a:t>
+            </a:r>
+            <a:r>
+              <a:rPr lang="en-US" dirty="0" smtClean="0"/>
+              <a:t> and </a:t>
+            </a:r>
+            <a:r>
+              <a:rPr lang="en-US" dirty="0" err="1" smtClean="0"/>
+              <a:t>ngHref</a:t>
+            </a:r>
+            <a:r>
+              <a:rPr lang="en-US" dirty="0" smtClean="0"/>
+              <a:t> avoid problems</a:t>
+            </a:r>
+          </a:p>
+          <a:p>
+            <a:pPr lvl="1"/>
+            <a:r>
+              <a:rPr lang="en-US" dirty="0" smtClean="0"/>
+              <a:t>Browser won’t preload</a:t>
+            </a:r>
+            <a:endParaRPr lang="en-US" dirty="0"/>
+          </a:p>
+        </p:txBody>
+      </p:sp>
+      <p:pic>
+        <p:nvPicPr>
+          <p:cNvPr id="4" name="Picture 3"/>
+          <p:cNvPicPr>
+            <a:picLocks noChangeAspect="1"/>
+          </p:cNvPicPr>
+          <p:nvPr/>
+        </p:nvPicPr>
+        <p:blipFill>
+          <a:blip r:embed="rId2"/>
+          <a:stretch>
+            <a:fillRect/>
+          </a:stretch>
+        </p:blipFill>
+        <p:spPr>
+          <a:xfrm>
+            <a:off x="1104900" y="3086100"/>
+            <a:ext cx="6515100" cy="723900"/>
+          </a:xfrm>
+          <a:prstGeom prst="rect">
+            <a:avLst/>
+          </a:prstGeom>
+        </p:spPr>
+      </p:pic>
+    </p:spTree>
+    <p:extLst>
+      <p:ext uri="{BB962C8B-B14F-4D97-AF65-F5344CB8AC3E}">
+        <p14:creationId xmlns:p14="http://schemas.microsoft.com/office/powerpoint/2010/main" val="1471293242"/>
+      </p:ext>
+    </p:extLst>
+  </p:cSld>
+  <p:clrMapOvr>
+    <a:masterClrMapping/>
+  </p:clrMapOvr>
+  <p:transition>
+    <p:fade/>
+  </p:transition>
+</p:sld>
+</file>
+
+<file path=ppt/slides/slide21.xml><?xml version="1.0" encoding="utf-8"?>
+<p:sld xmlns:a="http://schemas.openxmlformats.org/drawingml/2006/main" xmlns:r="http://schemas.openxmlformats.org/officeDocument/2006/relationships" xmlns:p="http://schemas.openxmlformats.org/presentationml/2006/main">
+  <p:cSld>
+    <p:spTree>
+      <p:nvGrpSpPr>
+        <p:cNvPr id="1" name=""/>
+        <p:cNvGrpSpPr/>
+        <p:nvPr/>
+      </p:nvGrpSpPr>
+      <p:grpSpPr>
+        <a:xfrm>
+          <a:off x="0" y="0"/>
+          <a:ext cx="0" cy="0"/>
+          <a:chOff x="0" y="0"/>
+          <a:chExt cx="0" cy="0"/>
+        </a:xfrm>
+      </p:grpSpPr>
+      <p:sp>
+        <p:nvSpPr>
+          <p:cNvPr id="2" name="Title 1"/>
+          <p:cNvSpPr>
+            <a:spLocks noGrp="1"/>
+          </p:cNvSpPr>
+          <p:nvPr>
+            <p:ph type="title"/>
+          </p:nvPr>
+        </p:nvSpPr>
+        <p:spPr/>
+        <p:txBody>
+          <a:bodyPr/>
+          <a:lstStyle/>
+          <a:p>
+            <a:r>
               <a:rPr lang="en-US" dirty="0" err="1" smtClean="0"/>
               <a:t>Batarang</a:t>
             </a:r>
@@ -4317,7 +4446,7 @@
 </p:sld>
 </file>
 
-<file path=ppt/slides/slide21.xml><?xml version="1.0" encoding="utf-8"?>
+<file path=ppt/slides/slide22.xml><?xml version="1.0" encoding="utf-8"?>
 <p:sld xmlns:a="http://schemas.openxmlformats.org/drawingml/2006/main" xmlns:r="http://schemas.openxmlformats.org/officeDocument/2006/relationships" xmlns:p="http://schemas.openxmlformats.org/presentationml/2006/main">
   <p:cSld>
     <p:spTree>
@@ -4851,7 +4980,7 @@
           <a:p>
             <a:r>
               <a:rPr lang="en-US" dirty="0" smtClean="0"/>
-              <a:t>Bower</a:t>
+              <a:t>Yeoman</a:t>
             </a:r>
           </a:p>
           <a:p>
@@ -4859,22 +4988,6 @@
             <a:r>
               <a:rPr lang="en-US" dirty="0">
                 <a:hlinkClick r:id="rId3"/>
-              </a:rPr>
-              <a:t>http://bower.io/</a:t>
-            </a:r>
-            <a:endParaRPr lang="en-US" dirty="0" smtClean="0"/>
-          </a:p>
-          <a:p>
-            <a:r>
-              <a:rPr lang="en-US" dirty="0" smtClean="0"/>
-              <a:t>Yeoman</a:t>
-            </a:r>
-          </a:p>
-          <a:p>
-            <a:pPr lvl="1"/>
-            <a:r>
-              <a:rPr lang="en-US" dirty="0">
-                <a:hlinkClick r:id="rId4"/>
               </a:rPr>
               <a:t>http://yeoman.io/</a:t>
             </a:r>
@@ -4891,7 +5004,7 @@
           <p:nvPr/>
         </p:nvPicPr>
         <p:blipFill>
-          <a:blip r:embed="rId5">
+          <a:blip r:embed="rId4">
             <a:extLst>
               <a:ext uri="{28A0092B-C50C-407E-A947-70E740481C1C}">
                 <a14:useLocalDpi xmlns:a14="http://schemas.microsoft.com/office/drawing/2010/main" val="0"/>
@@ -4905,49 +5018,8 @@
         </p:blipFill>
         <p:spPr bwMode="auto">
           <a:xfrm>
-            <a:off x="2059244" y="4147773"/>
+            <a:off x="3962400" y="3048000"/>
             <a:ext cx="2512756" cy="2176827"/>
-          </a:xfrm>
-          <a:prstGeom prst="rect">
-            <a:avLst/>
-          </a:prstGeom>
-          <a:noFill/>
-          <a:extLst>
-            <a:ext uri="{909E8E84-426E-40DD-AFC4-6F175D3DCCD1}">
-              <a14:hiddenFill xmlns:a14="http://schemas.microsoft.com/office/drawing/2010/main">
-                <a:solidFill>
-                  <a:srgbClr val="FFFFFF"/>
-                </a:solidFill>
-              </a14:hiddenFill>
-            </a:ext>
-          </a:extLst>
-        </p:spPr>
-      </p:pic>
-      <p:pic>
-        <p:nvPicPr>
-          <p:cNvPr id="5126" name="Picture 6" descr="Bower logo"/>
-          <p:cNvPicPr>
-            <a:picLocks noChangeAspect="1" noChangeArrowheads="1"/>
-          </p:cNvPicPr>
-          <p:nvPr/>
-        </p:nvPicPr>
-        <p:blipFill>
-          <a:blip r:embed="rId6">
-            <a:extLst>
-              <a:ext uri="{28A0092B-C50C-407E-A947-70E740481C1C}">
-                <a14:useLocalDpi xmlns:a14="http://schemas.microsoft.com/office/drawing/2010/main" val="0"/>
-              </a:ext>
-            </a:extLst>
-          </a:blip>
-          <a:srcRect/>
-          <a:stretch>
-            <a:fillRect/>
-          </a:stretch>
-        </p:blipFill>
-        <p:spPr bwMode="auto">
-          <a:xfrm>
-            <a:off x="5081050" y="4116745"/>
-            <a:ext cx="2185987" cy="2185988"/>
           </a:xfrm>
           <a:prstGeom prst="rect">
             <a:avLst/>
@@ -4977,6 +5049,13 @@
   <p:transition>
     <p:fade/>
   </p:transition>
+  <p:timing>
+    <p:tnLst>
+      <p:par>
+        <p:cTn id="1" dur="indefinite" restart="never" nodeType="tmRoot"/>
+      </p:par>
+    </p:tnLst>
+  </p:timing>
 </p:sld>
 </file>
 
@@ -5282,6 +5361,129 @@
           <a:p>
             <a:r>
               <a:rPr lang="en-US" dirty="0" smtClean="0"/>
+              <a:t>Controller As</a:t>
+            </a:r>
+            <a:endParaRPr lang="en-US" dirty="0"/>
+          </a:p>
+        </p:txBody>
+      </p:sp>
+      <p:sp>
+        <p:nvSpPr>
+          <p:cNvPr id="3" name="Text Placeholder 2"/>
+          <p:cNvSpPr>
+            <a:spLocks noGrp="1"/>
+          </p:cNvSpPr>
+          <p:nvPr>
+            <p:ph type="body" idx="1"/>
+          </p:nvPr>
+        </p:nvSpPr>
+        <p:spPr/>
+        <p:txBody>
+          <a:bodyPr/>
+          <a:lstStyle/>
+          <a:p>
+            <a:endParaRPr lang="en-US"/>
+          </a:p>
+        </p:txBody>
+      </p:sp>
+      <p:pic>
+        <p:nvPicPr>
+          <p:cNvPr id="4" name="Picture 3"/>
+          <p:cNvPicPr>
+            <a:picLocks noChangeAspect="1"/>
+          </p:cNvPicPr>
+          <p:nvPr/>
+        </p:nvPicPr>
+        <p:blipFill>
+          <a:blip r:embed="rId2"/>
+          <a:stretch>
+            <a:fillRect/>
+          </a:stretch>
+        </p:blipFill>
+        <p:spPr>
+          <a:xfrm>
+            <a:off x="2647950" y="3505200"/>
+            <a:ext cx="5562600" cy="1504950"/>
+          </a:xfrm>
+          <a:prstGeom prst="rect">
+            <a:avLst/>
+          </a:prstGeom>
+        </p:spPr>
+      </p:pic>
+      <p:pic>
+        <p:nvPicPr>
+          <p:cNvPr id="5" name="Picture 4"/>
+          <p:cNvPicPr>
+            <a:picLocks noChangeAspect="1"/>
+          </p:cNvPicPr>
+          <p:nvPr/>
+        </p:nvPicPr>
+        <p:blipFill>
+          <a:blip r:embed="rId3"/>
+          <a:stretch>
+            <a:fillRect/>
+          </a:stretch>
+        </p:blipFill>
+        <p:spPr>
+          <a:xfrm>
+            <a:off x="838200" y="2219325"/>
+            <a:ext cx="4743450" cy="904875"/>
+          </a:xfrm>
+          <a:prstGeom prst="rect">
+            <a:avLst/>
+          </a:prstGeom>
+        </p:spPr>
+      </p:pic>
+    </p:spTree>
+    <p:extLst>
+      <p:ext uri="{BB962C8B-B14F-4D97-AF65-F5344CB8AC3E}">
+        <p14:creationId xmlns:p14="http://schemas.microsoft.com/office/powerpoint/2010/main" val="2213935019"/>
+      </p:ext>
+    </p:extLst>
+  </p:cSld>
+  <p:clrMapOvr>
+    <a:masterClrMapping/>
+  </p:clrMapOvr>
+  <p:transition>
+    <p:fade/>
+  </p:transition>
+</p:sld>
+</file>
+
+<file path=ppt/slides/slide9.xml><?xml version="1.0" encoding="utf-8"?>
+<p:sld xmlns:a="http://schemas.openxmlformats.org/drawingml/2006/main" xmlns:r="http://schemas.openxmlformats.org/officeDocument/2006/relationships" xmlns:p="http://schemas.openxmlformats.org/presentationml/2006/main">
+  <p:cSld>
+    <p:spTree>
+      <p:nvGrpSpPr>
+        <p:cNvPr id="1" name=""/>
+        <p:cNvGrpSpPr/>
+        <p:nvPr/>
+      </p:nvGrpSpPr>
+      <p:grpSpPr>
+        <a:xfrm>
+          <a:off x="0" y="0"/>
+          <a:ext cx="0" cy="0"/>
+          <a:chOff x="0" y="0"/>
+          <a:chExt cx="0" cy="0"/>
+        </a:xfrm>
+      </p:grpSpPr>
+      <p:sp>
+        <p:nvSpPr>
+          <p:cNvPr id="2" name="Title 1"/>
+          <p:cNvSpPr>
+            <a:spLocks noGrp="1"/>
+          </p:cNvSpPr>
+          <p:nvPr>
+            <p:ph type="title"/>
+          </p:nvPr>
+        </p:nvSpPr>
+        <p:spPr/>
+        <p:txBody>
+          <a:bodyPr/>
+          <a:lstStyle/>
+          <a:p>
+            <a:r>
+              <a:rPr lang="en-US" dirty="0" smtClean="0"/>
               <a:t>Templates and Views</a:t>
             </a:r>
             <a:endParaRPr lang="en-US" dirty="0"/>
@@ -5363,142 +5565,6 @@
     <p:extLst>
       <p:ext uri="{BB962C8B-B14F-4D97-AF65-F5344CB8AC3E}">
         <p14:creationId xmlns:p14="http://schemas.microsoft.com/office/powerpoint/2010/main" val="3941634256"/>
-      </p:ext>
-    </p:extLst>
-  </p:cSld>
-  <p:clrMapOvr>
-    <a:masterClrMapping/>
-  </p:clrMapOvr>
-  <p:transition>
-    <p:fade/>
-  </p:transition>
-</p:sld>
-</file>
-
-<file path=ppt/slides/slide9.xml><?xml version="1.0" encoding="utf-8"?>
-<p:sld xmlns:a="http://schemas.openxmlformats.org/drawingml/2006/main" xmlns:r="http://schemas.openxmlformats.org/officeDocument/2006/relationships" xmlns:p="http://schemas.openxmlformats.org/presentationml/2006/main">
-  <p:cSld>
-    <p:spTree>
-      <p:nvGrpSpPr>
-        <p:cNvPr id="1" name=""/>
-        <p:cNvGrpSpPr/>
-        <p:nvPr/>
-      </p:nvGrpSpPr>
-      <p:grpSpPr>
-        <a:xfrm>
-          <a:off x="0" y="0"/>
-          <a:ext cx="0" cy="0"/>
-          <a:chOff x="0" y="0"/>
-          <a:chExt cx="0" cy="0"/>
-        </a:xfrm>
-      </p:grpSpPr>
-      <p:sp>
-        <p:nvSpPr>
-          <p:cNvPr id="2" name="Title 1"/>
-          <p:cNvSpPr>
-            <a:spLocks noGrp="1"/>
-          </p:cNvSpPr>
-          <p:nvPr>
-            <p:ph type="title"/>
-          </p:nvPr>
-        </p:nvSpPr>
-        <p:spPr/>
-        <p:txBody>
-          <a:bodyPr/>
-          <a:lstStyle/>
-          <a:p>
-            <a:r>
-              <a:rPr lang="en-US" dirty="0" smtClean="0"/>
-              <a:t>Models</a:t>
-            </a:r>
-            <a:endParaRPr lang="en-US" dirty="0"/>
-          </a:p>
-        </p:txBody>
-      </p:sp>
-      <p:sp>
-        <p:nvSpPr>
-          <p:cNvPr id="3" name="Text Placeholder 2"/>
-          <p:cNvSpPr>
-            <a:spLocks noGrp="1"/>
-          </p:cNvSpPr>
-          <p:nvPr>
-            <p:ph type="body" idx="1"/>
-          </p:nvPr>
-        </p:nvSpPr>
-        <p:spPr/>
-        <p:txBody>
-          <a:bodyPr/>
-          <a:lstStyle/>
-          <a:p>
-            <a:r>
-              <a:rPr lang="en-US" dirty="0" smtClean="0"/>
-              <a:t>POJOs!</a:t>
-            </a:r>
-          </a:p>
-          <a:p>
-            <a:r>
-              <a:rPr lang="en-US" dirty="0" smtClean="0"/>
-              <a:t>Data </a:t>
-            </a:r>
-            <a:r>
-              <a:rPr lang="en-US" dirty="0" smtClean="0"/>
-              <a:t>and behavior for the application</a:t>
-            </a:r>
-          </a:p>
-          <a:p>
-            <a:r>
-              <a:rPr lang="en-US" dirty="0" smtClean="0"/>
-              <a:t>Assigned to $scope inside a controller</a:t>
-            </a:r>
-            <a:endParaRPr lang="en-US" dirty="0"/>
-          </a:p>
-        </p:txBody>
-      </p:sp>
-      <p:pic>
-        <p:nvPicPr>
-          <p:cNvPr id="3076" name="Picture 4" descr="http://docs.angularjs.org/img/guide/concepts-databinding1.png"/>
-          <p:cNvPicPr>
-            <a:picLocks noChangeAspect="1" noChangeArrowheads="1"/>
-          </p:cNvPicPr>
-          <p:nvPr/>
-        </p:nvPicPr>
-        <p:blipFill>
-          <a:blip r:embed="rId2">
-            <a:extLst>
-              <a:ext uri="{28A0092B-C50C-407E-A947-70E740481C1C}">
-                <a14:useLocalDpi xmlns:a14="http://schemas.microsoft.com/office/drawing/2010/main" val="0"/>
-              </a:ext>
-            </a:extLst>
-          </a:blip>
-          <a:srcRect/>
-          <a:stretch>
-            <a:fillRect/>
-          </a:stretch>
-        </p:blipFill>
-        <p:spPr bwMode="auto">
-          <a:xfrm>
-            <a:off x="1600827" y="2743200"/>
-            <a:ext cx="5942973" cy="3505200"/>
-          </a:xfrm>
-          <a:prstGeom prst="rect">
-            <a:avLst/>
-          </a:prstGeom>
-          <a:noFill/>
-          <a:extLst>
-            <a:ext uri="{909E8E84-426E-40DD-AFC4-6F175D3DCCD1}">
-              <a14:hiddenFill xmlns:a14="http://schemas.microsoft.com/office/drawing/2010/main">
-                <a:solidFill>
-                  <a:srgbClr val="FFFFFF"/>
-                </a:solidFill>
-              </a14:hiddenFill>
-            </a:ext>
-          </a:extLst>
-        </p:spPr>
-      </p:pic>
-    </p:spTree>
-    <p:extLst>
-      <p:ext uri="{BB962C8B-B14F-4D97-AF65-F5344CB8AC3E}">
-        <p14:creationId xmlns:p14="http://schemas.microsoft.com/office/powerpoint/2010/main" val="1489135629"/>
       </p:ext>
     </p:extLst>
   </p:cSld>

--- a/angularjs/slides/01_Introduction.pptx
+++ b/angularjs/slides/01_Introduction.pptx
@@ -285,7 +285,7 @@
               <a:pPr>
                 <a:defRPr/>
               </a:pPr>
-              <a:t>9/26/2014</a:t>
+              <a:t>3/16/2016</a:t>
             </a:fld>
             <a:endParaRPr lang="en-US"/>
           </a:p>
@@ -559,35 +559,35 @@
           <a:p>
             <a:pPr lvl="0"/>
             <a:r>
-              <a:rPr lang="en-US" noProof="0" smtClean="0"/>
+              <a:rPr lang="en-US" noProof="0"/>
               <a:t>Click to edit Master text styles</a:t>
             </a:r>
           </a:p>
           <a:p>
             <a:pPr lvl="1"/>
             <a:r>
-              <a:rPr lang="en-US" noProof="0" smtClean="0"/>
+              <a:rPr lang="en-US" noProof="0"/>
               <a:t>Second level</a:t>
             </a:r>
           </a:p>
           <a:p>
             <a:pPr lvl="2"/>
             <a:r>
-              <a:rPr lang="en-US" noProof="0" smtClean="0"/>
+              <a:rPr lang="en-US" noProof="0"/>
               <a:t>Third level</a:t>
             </a:r>
           </a:p>
           <a:p>
             <a:pPr lvl="3"/>
             <a:r>
-              <a:rPr lang="en-US" noProof="0" smtClean="0"/>
+              <a:rPr lang="en-US" noProof="0"/>
               <a:t>Fourth level</a:t>
             </a:r>
           </a:p>
           <a:p>
             <a:pPr lvl="4"/>
             <a:r>
-              <a:rPr lang="en-US" noProof="0" smtClean="0"/>
+              <a:rPr lang="en-US" noProof="0"/>
               <a:t>Fifth level</a:t>
             </a:r>
           </a:p>
@@ -868,7 +868,7 @@
               <a:pPr/>
               <a:t>1</a:t>
             </a:fld>
-            <a:endParaRPr lang="en-US" smtClean="0"/>
+            <a:endParaRPr lang="en-US"/>
           </a:p>
         </p:txBody>
       </p:sp>
@@ -909,7 +909,7 @@
           <a:lstStyle/>
           <a:p>
             <a:pPr eaLnBrk="1" hangingPunct="1"/>
-            <a:endParaRPr lang="en-US" smtClean="0"/>
+            <a:endParaRPr lang="en-US"/>
           </a:p>
         </p:txBody>
       </p:sp>
@@ -972,7 +972,7 @@
           </a:lstStyle>
           <a:p>
             <a:r>
-              <a:rPr lang="en-US" smtClean="0"/>
+              <a:rPr lang="en-US"/>
               <a:t>Click to edit Master title style</a:t>
             </a:r>
             <a:endParaRPr lang="en-US" dirty="0"/>
@@ -1008,7 +1008,7 @@
           </a:lstStyle>
           <a:p>
             <a:r>
-              <a:rPr lang="en-US" smtClean="0"/>
+              <a:rPr lang="en-US"/>
               <a:t>Click to edit Master subtitle style</a:t>
             </a:r>
             <a:endParaRPr lang="en-US" dirty="0"/>
@@ -1113,7 +1113,7 @@
           </a:lstStyle>
           <a:p>
             <a:r>
-              <a:rPr lang="en-US" smtClean="0"/>
+              <a:rPr lang="en-US"/>
               <a:t>Click to edit Master title style</a:t>
             </a:r>
             <a:endParaRPr lang="en-US" dirty="0"/>
@@ -1178,35 +1178,35 @@
           <a:p>
             <a:pPr lvl="0"/>
             <a:r>
-              <a:rPr lang="en-US" smtClean="0"/>
+              <a:rPr lang="en-US"/>
               <a:t>Click to edit Master text styles</a:t>
             </a:r>
           </a:p>
           <a:p>
             <a:pPr lvl="1"/>
             <a:r>
-              <a:rPr lang="en-US" smtClean="0"/>
+              <a:rPr lang="en-US"/>
               <a:t>Second level</a:t>
             </a:r>
           </a:p>
           <a:p>
             <a:pPr lvl="2"/>
             <a:r>
-              <a:rPr lang="en-US" smtClean="0"/>
+              <a:rPr lang="en-US"/>
               <a:t>Third level</a:t>
             </a:r>
           </a:p>
           <a:p>
             <a:pPr lvl="3"/>
             <a:r>
-              <a:rPr lang="en-US" smtClean="0"/>
+              <a:rPr lang="en-US"/>
               <a:t>Fourth level</a:t>
             </a:r>
           </a:p>
           <a:p>
             <a:pPr lvl="4"/>
             <a:r>
-              <a:rPr lang="en-US" smtClean="0"/>
+              <a:rPr lang="en-US"/>
               <a:t>Fifth level</a:t>
             </a:r>
             <a:endParaRPr lang="en-US" dirty="0"/>
@@ -1270,10 +1270,9 @@
           </a:lstStyle>
           <a:p>
             <a:r>
-              <a:rPr lang="en-US" dirty="0" smtClean="0"/>
+              <a:rPr lang="en-US" dirty="0"/>
               <a:t>References</a:t>
             </a:r>
-            <a:endParaRPr lang="en-US" dirty="0"/>
           </a:p>
         </p:txBody>
       </p:sp>
@@ -1335,35 +1334,35 @@
           <a:p>
             <a:pPr lvl="0"/>
             <a:r>
-              <a:rPr lang="en-US" smtClean="0"/>
+              <a:rPr lang="en-US"/>
               <a:t>Click to edit Master text styles</a:t>
             </a:r>
           </a:p>
           <a:p>
             <a:pPr lvl="1"/>
             <a:r>
-              <a:rPr lang="en-US" smtClean="0"/>
+              <a:rPr lang="en-US"/>
               <a:t>Second level</a:t>
             </a:r>
           </a:p>
           <a:p>
             <a:pPr lvl="2"/>
             <a:r>
-              <a:rPr lang="en-US" smtClean="0"/>
+              <a:rPr lang="en-US"/>
               <a:t>Third level</a:t>
             </a:r>
           </a:p>
           <a:p>
             <a:pPr lvl="3"/>
             <a:r>
-              <a:rPr lang="en-US" smtClean="0"/>
+              <a:rPr lang="en-US"/>
               <a:t>Fourth level</a:t>
             </a:r>
           </a:p>
           <a:p>
             <a:pPr lvl="4"/>
             <a:r>
-              <a:rPr lang="en-US" smtClean="0"/>
+              <a:rPr lang="en-US"/>
               <a:t>Fifth level</a:t>
             </a:r>
             <a:endParaRPr lang="en-US" dirty="0"/>
@@ -1419,10 +1418,9 @@
           <a:lstStyle/>
           <a:p>
             <a:r>
-              <a:rPr lang="en-US" smtClean="0"/>
+              <a:rPr lang="en-US"/>
               <a:t>Click to edit Master title style</a:t>
             </a:r>
-            <a:endParaRPr lang="en-US"/>
           </a:p>
         </p:txBody>
       </p:sp>
@@ -1463,7 +1461,7 @@
           <a:p>
             <a:pPr lvl="0"/>
             <a:r>
-              <a:rPr lang="en-US" smtClean="0"/>
+              <a:rPr lang="en-US"/>
               <a:t>Click to edit Master text styles</a:t>
             </a:r>
           </a:p>
@@ -1518,10 +1516,9 @@
           <a:lstStyle/>
           <a:p>
             <a:r>
-              <a:rPr lang="en-US" smtClean="0"/>
+              <a:rPr lang="en-US"/>
               <a:t>Click to edit Master title style</a:t>
             </a:r>
-            <a:endParaRPr lang="en-US"/>
           </a:p>
         </p:txBody>
       </p:sp>
@@ -1574,10 +1571,9 @@
           <a:lstStyle/>
           <a:p>
             <a:r>
-              <a:rPr lang="en-US" smtClean="0"/>
+              <a:rPr lang="en-US"/>
               <a:t>Click to edit Master title style</a:t>
             </a:r>
-            <a:endParaRPr lang="en-US"/>
           </a:p>
         </p:txBody>
       </p:sp>
@@ -1618,7 +1614,7 @@
           <a:p>
             <a:pPr lvl="0"/>
             <a:r>
-              <a:rPr lang="en-US" smtClean="0"/>
+              <a:rPr lang="en-US"/>
               <a:t>Click to edit Master text styles</a:t>
             </a:r>
           </a:p>
@@ -1668,10 +1664,9 @@
           <a:lstStyle/>
           <a:p>
             <a:r>
-              <a:rPr lang="en-US" smtClean="0"/>
+              <a:rPr lang="en-US"/>
               <a:t>Click to edit Master title style</a:t>
             </a:r>
-            <a:endParaRPr lang="en-US"/>
           </a:p>
         </p:txBody>
       </p:sp>
@@ -1747,35 +1742,35 @@
           <a:p>
             <a:pPr lvl="0"/>
             <a:r>
-              <a:rPr lang="en-US" smtClean="0"/>
+              <a:rPr lang="en-US"/>
               <a:t>Click to edit Master text styles</a:t>
             </a:r>
           </a:p>
           <a:p>
             <a:pPr lvl="1"/>
             <a:r>
-              <a:rPr lang="en-US" smtClean="0"/>
+              <a:rPr lang="en-US"/>
               <a:t>Second level</a:t>
             </a:r>
           </a:p>
           <a:p>
             <a:pPr lvl="2"/>
             <a:r>
-              <a:rPr lang="en-US" smtClean="0"/>
+              <a:rPr lang="en-US"/>
               <a:t>Third level</a:t>
             </a:r>
           </a:p>
           <a:p>
             <a:pPr lvl="3"/>
             <a:r>
-              <a:rPr lang="en-US" smtClean="0"/>
+              <a:rPr lang="en-US"/>
               <a:t>Fourth level</a:t>
             </a:r>
           </a:p>
           <a:p>
             <a:pPr lvl="4"/>
             <a:r>
-              <a:rPr lang="en-US" smtClean="0"/>
+              <a:rPr lang="en-US"/>
               <a:t>Fifth level</a:t>
             </a:r>
           </a:p>
@@ -1817,7 +1812,7 @@
           <a:p>
             <a:pPr lvl="0"/>
             <a:r>
-              <a:rPr lang="en-US" smtClean="0"/>
+              <a:rPr lang="en-US"/>
               <a:t>Click to edit Master title style</a:t>
             </a:r>
           </a:p>
@@ -1929,13 +1924,6 @@
   <p:transition>
     <p:fade/>
   </p:transition>
-  <p:timing>
-    <p:tnLst>
-      <p:par>
-        <p:cTn id="1" dur="indefinite" restart="never" nodeType="tmRoot"/>
-      </p:par>
-    </p:tnLst>
-  </p:timing>
   <p:txStyles>
     <p:titleStyle>
       <a:lvl1pPr marL="342900" indent="-342900" algn="ctr" defTabSz="-13873163" rtl="0" eaLnBrk="1" fontAlgn="base" hangingPunct="1">
@@ -2447,7 +2435,7 @@
           <a:p>
             <a:pPr marL="0" indent="0" defTabSz="914400" eaLnBrk="1" hangingPunct="1"/>
             <a:r>
-              <a:rPr lang="en-US" dirty="0" smtClean="0"/>
+              <a:rPr lang="en-US" dirty="0"/>
               <a:t>Introduction To AngularJS</a:t>
             </a:r>
           </a:p>
@@ -2470,7 +2458,7 @@
           <a:p>
             <a:pPr defTabSz="914400" eaLnBrk="1" hangingPunct="1"/>
             <a:r>
-              <a:rPr lang="en-US" dirty="0" smtClean="0"/>
+              <a:rPr lang="en-US" dirty="0"/>
               <a:t>Hello World!</a:t>
             </a:r>
           </a:p>
@@ -2484,13 +2472,6 @@
   <p:transition>
     <p:fade/>
   </p:transition>
-  <p:timing>
-    <p:tnLst>
-      <p:par>
-        <p:cTn id="1" dur="indefinite" restart="never" nodeType="tmRoot"/>
-      </p:par>
-    </p:tnLst>
-  </p:timing>
 </p:sld>
 </file>
 
@@ -2527,10 +2508,9 @@
           <a:lstStyle/>
           <a:p>
             <a:r>
-              <a:rPr lang="en-US" dirty="0" smtClean="0"/>
+              <a:rPr lang="en-US" dirty="0"/>
               <a:t>Models</a:t>
             </a:r>
-            <a:endParaRPr lang="en-US" dirty="0"/>
           </a:p>
         </p:txBody>
       </p:sp>
@@ -2550,22 +2530,21 @@
           <a:lstStyle/>
           <a:p>
             <a:r>
-              <a:rPr lang="en-US" dirty="0" smtClean="0"/>
+              <a:rPr lang="en-US" dirty="0"/>
               <a:t>POJOs!</a:t>
             </a:r>
           </a:p>
           <a:p>
             <a:r>
-              <a:rPr lang="en-US" dirty="0" smtClean="0"/>
+              <a:rPr lang="en-US" dirty="0"/>
               <a:t>Data and behavior for the application</a:t>
             </a:r>
           </a:p>
           <a:p>
             <a:r>
-              <a:rPr lang="en-US" dirty="0" smtClean="0"/>
+              <a:rPr lang="en-US" dirty="0"/>
               <a:t>Assigned to $scope inside a controller</a:t>
             </a:r>
-            <a:endParaRPr lang="en-US" dirty="0"/>
           </a:p>
         </p:txBody>
       </p:sp>
@@ -2659,10 +2638,9 @@
           <a:lstStyle/>
           <a:p>
             <a:r>
-              <a:rPr lang="en-US" dirty="0" smtClean="0"/>
+              <a:rPr lang="en-US" dirty="0"/>
               <a:t>Anatomy</a:t>
             </a:r>
-            <a:endParaRPr lang="en-US" dirty="0"/>
           </a:p>
         </p:txBody>
       </p:sp>
@@ -2682,44 +2660,43 @@
           <a:lstStyle/>
           <a:p>
             <a:r>
-              <a:rPr lang="en-US" dirty="0" smtClean="0"/>
+              <a:rPr lang="en-US" dirty="0"/>
               <a:t>Controllers	</a:t>
             </a:r>
           </a:p>
           <a:p>
             <a:pPr lvl="1"/>
             <a:r>
-              <a:rPr lang="en-US" dirty="0" smtClean="0"/>
+              <a:rPr lang="en-US" dirty="0"/>
               <a:t>Expose the model through $scope</a:t>
             </a:r>
           </a:p>
           <a:p>
             <a:pPr lvl="1"/>
             <a:r>
-              <a:rPr lang="en-US" dirty="0" smtClean="0"/>
+              <a:rPr lang="en-US" dirty="0"/>
               <a:t>No direct DOM manipulation</a:t>
             </a:r>
           </a:p>
           <a:p>
             <a:r>
-              <a:rPr lang="en-US" dirty="0" smtClean="0"/>
+              <a:rPr lang="en-US" dirty="0"/>
               <a:t>Models</a:t>
             </a:r>
           </a:p>
           <a:p>
             <a:pPr lvl="1"/>
             <a:r>
-              <a:rPr lang="en-US" dirty="0" smtClean="0"/>
+              <a:rPr lang="en-US" dirty="0"/>
               <a:t>Provide data for the view</a:t>
             </a:r>
           </a:p>
           <a:p>
             <a:pPr lvl="1"/>
             <a:r>
-              <a:rPr lang="en-US" dirty="0" smtClean="0"/>
+              <a:rPr lang="en-US" dirty="0"/>
               <a:t>No direct DOM manipulation</a:t>
             </a:r>
-            <a:endParaRPr lang="en-US" dirty="0"/>
           </a:p>
         </p:txBody>
       </p:sp>
@@ -2802,10 +2779,9 @@
           <a:lstStyle/>
           <a:p>
             <a:r>
-              <a:rPr lang="en-US" dirty="0" smtClean="0"/>
+              <a:rPr lang="en-US" dirty="0"/>
               <a:t>Display Text</a:t>
             </a:r>
-            <a:endParaRPr lang="en-US" dirty="0"/>
           </a:p>
         </p:txBody>
       </p:sp>
@@ -2825,39 +2801,38 @@
           <a:lstStyle/>
           <a:p>
             <a:r>
-              <a:rPr lang="en-US" dirty="0" smtClean="0"/>
+              <a:rPr lang="en-US" dirty="0"/>
               <a:t>Use </a:t>
             </a:r>
             <a:r>
-              <a:rPr lang="en-US" dirty="0" err="1" smtClean="0"/>
+              <a:rPr lang="en-US" dirty="0" err="1"/>
               <a:t>ngBind</a:t>
             </a:r>
             <a:r>
-              <a:rPr lang="en-US" dirty="0" smtClean="0"/>
+              <a:rPr lang="en-US" dirty="0"/>
               <a:t> directive</a:t>
             </a:r>
           </a:p>
           <a:p>
             <a:r>
-              <a:rPr lang="en-US" dirty="0" smtClean="0"/>
+              <a:rPr lang="en-US" dirty="0"/>
               <a:t>Or use double curly characters {{ }}</a:t>
             </a:r>
           </a:p>
           <a:p>
             <a:pPr lvl="1"/>
             <a:r>
-              <a:rPr lang="en-US" dirty="0" smtClean="0"/>
+              <a:rPr lang="en-US" dirty="0"/>
               <a:t>Use </a:t>
             </a:r>
             <a:r>
-              <a:rPr lang="en-US" dirty="0" err="1" smtClean="0"/>
+              <a:rPr lang="en-US" dirty="0" err="1"/>
               <a:t>ngCloak</a:t>
             </a:r>
             <a:r>
-              <a:rPr lang="en-US" dirty="0" smtClean="0"/>
+              <a:rPr lang="en-US" dirty="0"/>
               <a:t> to hide templates</a:t>
             </a:r>
-            <a:endParaRPr lang="en-US" dirty="0"/>
           </a:p>
         </p:txBody>
       </p:sp>
@@ -2944,10 +2919,9 @@
           <a:lstStyle/>
           <a:p>
             <a:r>
-              <a:rPr lang="en-US" dirty="0" smtClean="0"/>
+              <a:rPr lang="en-US" dirty="0"/>
               <a:t>Inputs</a:t>
             </a:r>
-            <a:endParaRPr lang="en-US" dirty="0"/>
           </a:p>
         </p:txBody>
       </p:sp>
@@ -2967,22 +2941,22 @@
           <a:lstStyle/>
           <a:p>
             <a:r>
-              <a:rPr lang="en-US" dirty="0" smtClean="0"/>
+              <a:rPr lang="en-US" dirty="0"/>
               <a:t>Two way data binding with </a:t>
             </a:r>
             <a:r>
-              <a:rPr lang="en-US" dirty="0" err="1" smtClean="0"/>
+              <a:rPr lang="en-US" dirty="0" err="1"/>
               <a:t>ngModel</a:t>
             </a:r>
-            <a:endParaRPr lang="en-US" dirty="0" smtClean="0"/>
-          </a:p>
-          <a:p>
-            <a:r>
-              <a:rPr lang="en-US" dirty="0" smtClean="0"/>
+            <a:endParaRPr lang="en-US" dirty="0"/>
+          </a:p>
+          <a:p>
+            <a:r>
+              <a:rPr lang="en-US" dirty="0"/>
               <a:t>Change notifications with </a:t>
             </a:r>
             <a:r>
-              <a:rPr lang="en-US" dirty="0" err="1" smtClean="0"/>
+              <a:rPr lang="en-US" dirty="0" err="1"/>
               <a:t>ngChange</a:t>
             </a:r>
             <a:endParaRPr lang="en-US" dirty="0"/>
@@ -3106,10 +3080,9 @@
           <a:lstStyle/>
           <a:p>
             <a:r>
-              <a:rPr lang="en-US" dirty="0" smtClean="0"/>
+              <a:rPr lang="en-US" dirty="0"/>
               <a:t>Forms</a:t>
             </a:r>
-            <a:endParaRPr lang="en-US" dirty="0"/>
           </a:p>
         </p:txBody>
       </p:sp>
@@ -3129,11 +3102,11 @@
           <a:lstStyle/>
           <a:p>
             <a:r>
-              <a:rPr lang="en-US" dirty="0" smtClean="0"/>
+              <a:rPr lang="en-US" dirty="0"/>
               <a:t>Capture form submit with </a:t>
             </a:r>
             <a:r>
-              <a:rPr lang="en-US" dirty="0" err="1" smtClean="0"/>
+              <a:rPr lang="en-US" dirty="0" err="1"/>
               <a:t>ngSubmit</a:t>
             </a:r>
             <a:endParaRPr lang="en-US" dirty="0"/>
@@ -3235,18 +3208,9 @@
           <a:lstStyle/>
           <a:p>
             <a:r>
-              <a:rPr lang="en-US" dirty="0" smtClean="0"/>
-              <a:t>Ng </a:t>
-            </a:r>
-            <a:r>
-              <a:rPr lang="en-US" dirty="0"/>
-              <a:t>E</a:t>
-            </a:r>
-            <a:r>
-              <a:rPr lang="en-US" dirty="0" smtClean="0"/>
-              <a:t>vents versus Unobtrusive JavaScript</a:t>
-            </a:r>
-            <a:endParaRPr lang="en-US" dirty="0"/>
+              <a:rPr lang="en-US" dirty="0"/>
+              <a:t>Ng Events versus Unobtrusive JavaScript</a:t>
+            </a:r>
           </a:p>
         </p:txBody>
       </p:sp>
@@ -3266,24 +3230,24 @@
           <a:lstStyle/>
           <a:p>
             <a:r>
-              <a:rPr lang="en-US" dirty="0" smtClean="0"/>
+              <a:rPr lang="en-US" dirty="0"/>
               <a:t>Everyone is using JavaScript</a:t>
             </a:r>
           </a:p>
           <a:p>
             <a:r>
-              <a:rPr lang="en-US" dirty="0" smtClean="0"/>
+              <a:rPr lang="en-US" dirty="0"/>
               <a:t>Angular behaves the same across browsers</a:t>
             </a:r>
           </a:p>
           <a:p>
             <a:r>
-              <a:rPr lang="en-US" dirty="0" smtClean="0"/>
+              <a:rPr lang="en-US" dirty="0"/>
               <a:t>Expressions not evaluated in global scope</a:t>
             </a:r>
           </a:p>
           <a:p>
-            <a:endParaRPr lang="en-US" dirty="0" smtClean="0"/>
+            <a:endParaRPr lang="en-US" dirty="0"/>
           </a:p>
           <a:p>
             <a:endParaRPr lang="en-US" dirty="0"/>
@@ -3373,10 +3337,9 @@
           <a:lstStyle/>
           <a:p>
             <a:r>
-              <a:rPr lang="en-US" dirty="0" smtClean="0"/>
+              <a:rPr lang="en-US" dirty="0"/>
               <a:t>Expressions</a:t>
             </a:r>
-            <a:endParaRPr lang="en-US" dirty="0"/>
           </a:p>
         </p:txBody>
       </p:sp>
@@ -3396,58 +3359,58 @@
           <a:lstStyle/>
           <a:p>
             <a:r>
-              <a:rPr lang="en-US" dirty="0" smtClean="0"/>
+              <a:rPr lang="en-US" dirty="0"/>
               <a:t>Can use subset of JavaScript in {{ }}</a:t>
             </a:r>
           </a:p>
           <a:p>
             <a:pPr lvl="1"/>
             <a:r>
-              <a:rPr lang="en-US" dirty="0" smtClean="0"/>
+              <a:rPr lang="en-US" dirty="0"/>
               <a:t>Don’t allow logic leaks</a:t>
             </a:r>
           </a:p>
           <a:p>
             <a:r>
-              <a:rPr lang="en-US" dirty="0" smtClean="0"/>
+              <a:rPr lang="en-US" dirty="0"/>
               <a:t>Math (+ - / *)</a:t>
             </a:r>
           </a:p>
           <a:p>
             <a:r>
-              <a:rPr lang="en-US" dirty="0" smtClean="0"/>
+              <a:rPr lang="en-US" dirty="0"/>
               <a:t>Comparisons (== != &gt; &lt; &gt;= &lt;=)</a:t>
             </a:r>
           </a:p>
           <a:p>
             <a:r>
-              <a:rPr lang="en-US" dirty="0" smtClean="0"/>
+              <a:rPr lang="en-US" dirty="0"/>
               <a:t>Boolean logic (&amp;&amp; || !)</a:t>
             </a:r>
           </a:p>
           <a:p>
             <a:r>
-              <a:rPr lang="en-US" dirty="0" smtClean="0"/>
+              <a:rPr lang="en-US" dirty="0"/>
               <a:t>Function calls</a:t>
             </a:r>
           </a:p>
           <a:p>
             <a:r>
-              <a:rPr lang="en-US" dirty="0" smtClean="0"/>
+              <a:rPr lang="en-US" dirty="0"/>
               <a:t>Arrays and object literals</a:t>
             </a:r>
           </a:p>
           <a:p>
-            <a:endParaRPr lang="en-US" dirty="0" smtClean="0"/>
-          </a:p>
-          <a:p>
-            <a:endParaRPr lang="en-US" dirty="0" smtClean="0"/>
-          </a:p>
-          <a:p>
-            <a:endParaRPr lang="en-US" dirty="0" smtClean="0"/>
-          </a:p>
-          <a:p>
-            <a:endParaRPr lang="en-US" dirty="0" smtClean="0"/>
+            <a:endParaRPr lang="en-US" dirty="0"/>
+          </a:p>
+          <a:p>
+            <a:endParaRPr lang="en-US" dirty="0"/>
+          </a:p>
+          <a:p>
+            <a:endParaRPr lang="en-US" dirty="0"/>
+          </a:p>
+          <a:p>
+            <a:endParaRPr lang="en-US" dirty="0"/>
           </a:p>
           <a:p>
             <a:pPr lvl="1"/>
@@ -3528,10 +3491,9 @@
           <a:lstStyle/>
           <a:p>
             <a:r>
-              <a:rPr lang="en-US" dirty="0" smtClean="0"/>
+              <a:rPr lang="en-US" dirty="0"/>
               <a:t>Lists and Tables</a:t>
             </a:r>
-            <a:endParaRPr lang="en-US" dirty="0"/>
           </a:p>
         </p:txBody>
       </p:sp>
@@ -3551,22 +3513,21 @@
           <a:lstStyle/>
           <a:p>
             <a:r>
-              <a:rPr lang="en-US" dirty="0" smtClean="0"/>
+              <a:rPr lang="en-US" dirty="0"/>
               <a:t>Use </a:t>
             </a:r>
             <a:r>
-              <a:rPr lang="en-US" dirty="0" err="1" smtClean="0"/>
+              <a:rPr lang="en-US" dirty="0" err="1"/>
               <a:t>ngRepeat</a:t>
             </a:r>
-            <a:endParaRPr lang="en-US" dirty="0" smtClean="0"/>
+            <a:endParaRPr lang="en-US" dirty="0"/>
           </a:p>
           <a:p>
             <a:pPr lvl="1"/>
             <a:r>
-              <a:rPr lang="en-US" dirty="0" smtClean="0"/>
+              <a:rPr lang="en-US" dirty="0"/>
               <a:t>Will detect changes to collection</a:t>
             </a:r>
-            <a:endParaRPr lang="en-US" dirty="0"/>
           </a:p>
         </p:txBody>
       </p:sp>
@@ -3687,10 +3648,9 @@
           <a:lstStyle/>
           <a:p>
             <a:r>
-              <a:rPr lang="en-US" dirty="0" smtClean="0"/>
+              <a:rPr lang="en-US" dirty="0"/>
               <a:t>Hiding and Showing</a:t>
             </a:r>
-            <a:endParaRPr lang="en-US" dirty="0"/>
           </a:p>
         </p:txBody>
       </p:sp>
@@ -3710,60 +3670,60 @@
           <a:lstStyle/>
           <a:p>
             <a:r>
-              <a:rPr lang="en-US" dirty="0" smtClean="0"/>
+              <a:rPr lang="en-US" dirty="0"/>
               <a:t>Use </a:t>
             </a:r>
             <a:r>
-              <a:rPr lang="en-US" dirty="0" err="1" smtClean="0"/>
+              <a:rPr lang="en-US" dirty="0" err="1"/>
               <a:t>ngShow</a:t>
             </a:r>
             <a:r>
-              <a:rPr lang="en-US" dirty="0" smtClean="0"/>
+              <a:rPr lang="en-US" dirty="0"/>
               <a:t> and </a:t>
             </a:r>
             <a:r>
-              <a:rPr lang="en-US" dirty="0" err="1" smtClean="0"/>
+              <a:rPr lang="en-US" dirty="0" err="1"/>
               <a:t>ngHide</a:t>
             </a:r>
-            <a:endParaRPr lang="en-US" dirty="0" smtClean="0"/>
+            <a:endParaRPr lang="en-US" dirty="0"/>
           </a:p>
           <a:p>
             <a:pPr lvl="1"/>
             <a:r>
-              <a:rPr lang="en-US" dirty="0" smtClean="0"/>
+              <a:rPr lang="en-US" dirty="0"/>
               <a:t>We’ll look at animations later</a:t>
             </a:r>
           </a:p>
           <a:p>
             <a:r>
-              <a:rPr lang="en-US" dirty="0" err="1" smtClean="0"/>
+              <a:rPr lang="en-US" dirty="0" err="1"/>
               <a:t>ngShow</a:t>
             </a:r>
             <a:r>
-              <a:rPr lang="en-US" dirty="0" smtClean="0"/>
+              <a:rPr lang="en-US" dirty="0"/>
               <a:t>, </a:t>
             </a:r>
             <a:r>
-              <a:rPr lang="en-US" dirty="0" err="1" smtClean="0"/>
+              <a:rPr lang="en-US" dirty="0" err="1"/>
               <a:t>ngHide</a:t>
             </a:r>
             <a:r>
-              <a:rPr lang="en-US" dirty="0" smtClean="0"/>
+              <a:rPr lang="en-US" dirty="0"/>
               <a:t>, </a:t>
             </a:r>
             <a:r>
-              <a:rPr lang="en-US" dirty="0" err="1" smtClean="0"/>
+              <a:rPr lang="en-US" dirty="0" err="1"/>
               <a:t>ngCloak</a:t>
             </a:r>
             <a:r>
-              <a:rPr lang="en-US" dirty="0" smtClean="0"/>
+              <a:rPr lang="en-US" dirty="0"/>
               <a:t> all toggle a style of </a:t>
             </a:r>
             <a:r>
-              <a:rPr lang="en-US" dirty="0" err="1" smtClean="0"/>
+              <a:rPr lang="en-US" dirty="0" err="1"/>
               <a:t>display:none</a:t>
             </a:r>
-            <a:endParaRPr lang="en-US" dirty="0" smtClean="0"/>
+            <a:endParaRPr lang="en-US" dirty="0"/>
           </a:p>
           <a:p>
             <a:pPr lvl="1"/>
@@ -3844,10 +3804,9 @@
           <a:lstStyle/>
           <a:p>
             <a:r>
-              <a:rPr lang="en-US" dirty="0" smtClean="0"/>
+              <a:rPr lang="en-US" dirty="0"/>
               <a:t>Styles</a:t>
             </a:r>
-            <a:endParaRPr lang="en-US" dirty="0"/>
           </a:p>
         </p:txBody>
       </p:sp>
@@ -3867,26 +3826,25 @@
           <a:lstStyle/>
           <a:p>
             <a:r>
-              <a:rPr lang="en-US" dirty="0" err="1" smtClean="0"/>
+              <a:rPr lang="en-US" dirty="0" err="1"/>
               <a:t>ngStyle</a:t>
             </a:r>
             <a:r>
-              <a:rPr lang="en-US" dirty="0" smtClean="0"/>
+              <a:rPr lang="en-US" dirty="0"/>
               <a:t> and </a:t>
             </a:r>
             <a:r>
-              <a:rPr lang="en-US" dirty="0" err="1" smtClean="0"/>
+              <a:rPr lang="en-US" dirty="0" err="1"/>
               <a:t>ngClass</a:t>
             </a:r>
-            <a:endParaRPr lang="en-US" dirty="0" smtClean="0"/>
+            <a:endParaRPr lang="en-US" dirty="0"/>
           </a:p>
           <a:p>
             <a:pPr lvl="1"/>
             <a:r>
-              <a:rPr lang="en-US" dirty="0" smtClean="0"/>
+              <a:rPr lang="en-US" dirty="0"/>
               <a:t>Properties mapped to style and class attributes</a:t>
             </a:r>
-            <a:endParaRPr lang="en-US" dirty="0"/>
           </a:p>
         </p:txBody>
       </p:sp>
@@ -3987,10 +3945,9 @@
           <a:lstStyle/>
           <a:p>
             <a:r>
-              <a:rPr lang="en-US" dirty="0" smtClean="0"/>
+              <a:rPr lang="en-US" dirty="0"/>
               <a:t>History</a:t>
             </a:r>
-            <a:endParaRPr lang="en-US" dirty="0"/>
           </a:p>
         </p:txBody>
       </p:sp>
@@ -4010,7 +3967,7 @@
           <a:lstStyle/>
           <a:p>
             <a:r>
-              <a:rPr lang="en-US" dirty="0" smtClean="0"/>
+              <a:rPr lang="en-US" dirty="0"/>
               <a:t>Started in 2009 @ Google</a:t>
             </a:r>
           </a:p>
@@ -4029,23 +3986,23 @@
               <a:t> </a:t>
             </a:r>
             <a:r>
-              <a:rPr lang="en-US" b="0" dirty="0" err="1" smtClean="0"/>
+              <a:rPr lang="en-US" b="0" dirty="0" err="1"/>
               <a:t>Hevery</a:t>
             </a:r>
             <a:r>
-              <a:rPr lang="en-US" dirty="0" smtClean="0"/>
+              <a:rPr lang="en-US" dirty="0"/>
               <a:t>, </a:t>
             </a:r>
             <a:r>
-              <a:rPr lang="en-US" b="0" dirty="0" smtClean="0"/>
+              <a:rPr lang="en-US" b="0" dirty="0"/>
               <a:t>Adam </a:t>
             </a:r>
             <a:r>
-              <a:rPr lang="en-US" b="0" dirty="0" err="1" smtClean="0"/>
+              <a:rPr lang="en-US" b="0" dirty="0" err="1"/>
               <a:t>Abrons</a:t>
             </a:r>
             <a:r>
-              <a:rPr lang="en-US" b="0" dirty="0" smtClean="0"/>
+              <a:rPr lang="en-US" b="0" dirty="0"/>
               <a:t>, </a:t>
             </a:r>
             <a:r>
@@ -4053,30 +4010,30 @@
               <a:t> Igor </a:t>
             </a:r>
             <a:r>
-              <a:rPr lang="en-US" dirty="0" err="1" smtClean="0"/>
+              <a:rPr lang="en-US" dirty="0" err="1"/>
               <a:t>Minár</a:t>
             </a:r>
             <a:r>
-              <a:rPr lang="en-US" dirty="0" smtClean="0"/>
+              <a:rPr lang="en-US" dirty="0"/>
               <a:t>, </a:t>
             </a:r>
             <a:r>
-              <a:rPr lang="en-US" dirty="0" err="1" smtClean="0"/>
+              <a:rPr lang="en-US" dirty="0" err="1"/>
               <a:t>Vojta</a:t>
             </a:r>
             <a:r>
-              <a:rPr lang="en-US" dirty="0" smtClean="0"/>
+              <a:rPr lang="en-US" dirty="0"/>
               <a:t> </a:t>
             </a:r>
             <a:r>
-              <a:rPr lang="en-US" dirty="0" err="1" smtClean="0"/>
+              <a:rPr lang="en-US" dirty="0" err="1"/>
               <a:t>Jína</a:t>
             </a:r>
-            <a:endParaRPr lang="en-US" dirty="0" smtClean="0"/>
-          </a:p>
-          <a:p>
-            <a:r>
-              <a:rPr lang="en-US" dirty="0" smtClean="0"/>
+            <a:endParaRPr lang="en-US" dirty="0"/>
+          </a:p>
+          <a:p>
+            <a:r>
+              <a:rPr lang="en-US" dirty="0"/>
               <a:t>Built from experience with large web applications</a:t>
             </a:r>
           </a:p>
@@ -4183,13 +4140,6 @@
   <p:transition>
     <p:fade/>
   </p:transition>
-  <p:timing>
-    <p:tnLst>
-      <p:par>
-        <p:cTn id="1" dur="indefinite" restart="never" nodeType="tmRoot"/>
-      </p:par>
-    </p:tnLst>
-  </p:timing>
 </p:sld>
 </file>
 
@@ -4226,11 +4176,11 @@
           <a:lstStyle/>
           <a:p>
             <a:r>
-              <a:rPr lang="en-US" dirty="0" smtClean="0"/>
+              <a:rPr lang="en-US" dirty="0"/>
               <a:t>Sources and </a:t>
             </a:r>
             <a:r>
-              <a:rPr lang="en-US" dirty="0" err="1" smtClean="0"/>
+              <a:rPr lang="en-US" dirty="0" err="1"/>
               <a:t>Hrefs</a:t>
             </a:r>
             <a:endParaRPr lang="en-US" dirty="0"/>
@@ -4253,29 +4203,28 @@
           <a:lstStyle/>
           <a:p>
             <a:r>
-              <a:rPr lang="en-US" dirty="0" err="1" smtClean="0"/>
+              <a:rPr lang="en-US" dirty="0" err="1"/>
               <a:t>ngSrc</a:t>
             </a:r>
             <a:r>
-              <a:rPr lang="en-US" dirty="0" smtClean="0"/>
+              <a:rPr lang="en-US" dirty="0"/>
               <a:t> and </a:t>
             </a:r>
             <a:r>
-              <a:rPr lang="en-US" dirty="0" err="1" smtClean="0"/>
+              <a:rPr lang="en-US" dirty="0" err="1"/>
               <a:t>ngHref</a:t>
             </a:r>
             <a:r>
-              <a:rPr lang="en-US" dirty="0" smtClean="0"/>
+              <a:rPr lang="en-US" dirty="0"/>
               <a:t> avoid problems</a:t>
             </a:r>
           </a:p>
           <a:p>
             <a:pPr lvl="1"/>
             <a:r>
-              <a:rPr lang="en-US" dirty="0" smtClean="0"/>
+              <a:rPr lang="en-US" dirty="0"/>
               <a:t>Browser won’t preload</a:t>
             </a:r>
-            <a:endParaRPr lang="en-US" dirty="0"/>
           </a:p>
         </p:txBody>
       </p:sp>
@@ -4352,7 +4301,7 @@
           <a:lstStyle/>
           <a:p>
             <a:r>
-              <a:rPr lang="en-US" dirty="0" err="1" smtClean="0"/>
+              <a:rPr lang="en-US" dirty="0" err="1"/>
               <a:t>Batarang</a:t>
             </a:r>
             <a:endParaRPr lang="en-US" dirty="0"/>
@@ -4375,10 +4324,9 @@
           <a:lstStyle/>
           <a:p>
             <a:r>
-              <a:rPr lang="en-US" dirty="0" smtClean="0"/>
+              <a:rPr lang="en-US" dirty="0"/>
               <a:t>Debug Angular applications with Chrome</a:t>
             </a:r>
-            <a:endParaRPr lang="en-US" dirty="0"/>
           </a:p>
         </p:txBody>
       </p:sp>
@@ -4479,10 +4427,9 @@
           <a:lstStyle/>
           <a:p>
             <a:r>
-              <a:rPr lang="en-US" dirty="0" smtClean="0"/>
+              <a:rPr lang="en-US" dirty="0"/>
               <a:t>Summary</a:t>
             </a:r>
-            <a:endParaRPr lang="en-US" dirty="0"/>
           </a:p>
         </p:txBody>
       </p:sp>
@@ -4502,38 +4449,38 @@
           <a:lstStyle/>
           <a:p>
             <a:r>
-              <a:rPr lang="en-US" dirty="0" smtClean="0"/>
+              <a:rPr lang="en-US" dirty="0"/>
               <a:t>AngularJS is an application framework</a:t>
             </a:r>
           </a:p>
           <a:p>
             <a:pPr lvl="1"/>
             <a:r>
-              <a:rPr lang="en-US" dirty="0" smtClean="0"/>
+              <a:rPr lang="en-US" dirty="0"/>
               <a:t>Model - view - *</a:t>
             </a:r>
           </a:p>
           <a:p>
             <a:pPr lvl="1"/>
             <a:r>
-              <a:rPr lang="en-US" dirty="0" smtClean="0"/>
+              <a:rPr lang="en-US" dirty="0"/>
               <a:t>Data binding</a:t>
             </a:r>
           </a:p>
           <a:p>
             <a:r>
-              <a:rPr lang="en-US" dirty="0" smtClean="0"/>
+              <a:rPr lang="en-US" dirty="0"/>
               <a:t>Extensible, modular, testable</a:t>
             </a:r>
           </a:p>
           <a:p>
             <a:pPr lvl="1"/>
             <a:r>
-              <a:rPr lang="en-US" dirty="0" smtClean="0"/>
+              <a:rPr lang="en-US" dirty="0"/>
               <a:t>More on </a:t>
             </a:r>
             <a:r>
-              <a:rPr lang="en-US" smtClean="0"/>
+              <a:rPr lang="en-US"/>
               <a:t>modularity coming up next …</a:t>
             </a:r>
             <a:endParaRPr lang="en-US" dirty="0"/>
@@ -4630,10 +4577,9 @@
           <a:lstStyle/>
           <a:p>
             <a:r>
-              <a:rPr lang="en-US" dirty="0" smtClean="0"/>
+              <a:rPr lang="en-US" dirty="0"/>
               <a:t>Concepts &amp; Goals</a:t>
             </a:r>
-            <a:endParaRPr lang="en-US" dirty="0"/>
           </a:p>
         </p:txBody>
       </p:sp>
@@ -4653,61 +4599,61 @@
           <a:lstStyle/>
           <a:p>
             <a:r>
-              <a:rPr lang="en-US" dirty="0" smtClean="0"/>
+              <a:rPr lang="en-US" dirty="0"/>
               <a:t>Separation of Concerns</a:t>
             </a:r>
           </a:p>
           <a:p>
             <a:pPr lvl="1"/>
             <a:r>
-              <a:rPr lang="en-US" dirty="0" smtClean="0"/>
+              <a:rPr lang="en-US" dirty="0"/>
               <a:t>Models and Views</a:t>
             </a:r>
           </a:p>
           <a:p>
             <a:r>
-              <a:rPr lang="en-US" dirty="0" smtClean="0"/>
+              <a:rPr lang="en-US" dirty="0"/>
               <a:t>Testability</a:t>
             </a:r>
           </a:p>
           <a:p>
             <a:pPr lvl="1"/>
             <a:r>
-              <a:rPr lang="en-US" dirty="0" smtClean="0"/>
+              <a:rPr lang="en-US" dirty="0"/>
               <a:t>Dependency Inversion Principle</a:t>
             </a:r>
           </a:p>
           <a:p>
             <a:r>
-              <a:rPr lang="en-US" dirty="0" smtClean="0"/>
+              <a:rPr lang="en-US" dirty="0"/>
               <a:t>Extensibility</a:t>
             </a:r>
           </a:p>
           <a:p>
             <a:pPr lvl="1"/>
             <a:r>
-              <a:rPr lang="en-US" dirty="0" smtClean="0"/>
+              <a:rPr lang="en-US" dirty="0"/>
               <a:t>Loose coupling</a:t>
             </a:r>
           </a:p>
           <a:p>
             <a:r>
-              <a:rPr lang="en-US" dirty="0" smtClean="0"/>
+              <a:rPr lang="en-US" dirty="0"/>
               <a:t>Forward Looking</a:t>
             </a:r>
           </a:p>
           <a:p>
             <a:pPr lvl="1"/>
             <a:r>
-              <a:rPr lang="en-US" dirty="0" smtClean="0"/>
+              <a:rPr lang="en-US" dirty="0"/>
               <a:t>What HTML + JS Will Look Like …</a:t>
             </a:r>
           </a:p>
           <a:p>
-            <a:endParaRPr lang="en-US" dirty="0" smtClean="0"/>
-          </a:p>
-          <a:p>
-            <a:endParaRPr lang="en-US" dirty="0" smtClean="0"/>
+            <a:endParaRPr lang="en-US" dirty="0"/>
+          </a:p>
+          <a:p>
+            <a:endParaRPr lang="en-US" dirty="0"/>
           </a:p>
         </p:txBody>
       </p:sp>
@@ -4765,13 +4711,6 @@
   <p:transition>
     <p:fade/>
   </p:transition>
-  <p:timing>
-    <p:tnLst>
-      <p:par>
-        <p:cTn id="1" dur="indefinite" restart="never" nodeType="tmRoot"/>
-      </p:par>
-    </p:tnLst>
-  </p:timing>
 </p:sld>
 </file>
 
@@ -4808,10 +4747,9 @@
           <a:lstStyle/>
           <a:p>
             <a:r>
-              <a:rPr lang="en-US" dirty="0" smtClean="0"/>
+              <a:rPr lang="en-US" dirty="0"/>
               <a:t>Getting Started</a:t>
             </a:r>
-            <a:endParaRPr lang="en-US" dirty="0"/>
           </a:p>
         </p:txBody>
       </p:sp>
@@ -4831,20 +4769,20 @@
           <a:lstStyle/>
           <a:p>
             <a:r>
-              <a:rPr lang="en-US" dirty="0" smtClean="0"/>
+              <a:rPr lang="en-US" dirty="0"/>
               <a:t>Download Angular.js	</a:t>
             </a:r>
           </a:p>
           <a:p>
             <a:pPr lvl="1"/>
             <a:r>
-              <a:rPr lang="en-US" dirty="0" smtClean="0"/>
+              <a:rPr lang="en-US" dirty="0"/>
               <a:t>AngularJS.org</a:t>
             </a:r>
           </a:p>
           <a:p>
             <a:r>
-              <a:rPr lang="en-US" dirty="0" smtClean="0"/>
+              <a:rPr lang="en-US" dirty="0"/>
               <a:t>Tell Angular to manage the DOM</a:t>
             </a:r>
           </a:p>
@@ -4897,13 +4835,6 @@
   <p:transition>
     <p:fade/>
   </p:transition>
-  <p:timing>
-    <p:tnLst>
-      <p:par>
-        <p:cTn id="1" dur="indefinite" restart="never" nodeType="tmRoot"/>
-      </p:par>
-    </p:tnLst>
-  </p:timing>
 </p:sld>
 </file>
 
@@ -4940,10 +4871,9 @@
           <a:lstStyle/>
           <a:p>
             <a:r>
-              <a:rPr lang="en-US" dirty="0" smtClean="0"/>
+              <a:rPr lang="en-US" dirty="0"/>
               <a:t>Other Starting Points</a:t>
             </a:r>
-            <a:endParaRPr lang="en-US" dirty="0"/>
           </a:p>
         </p:txBody>
       </p:sp>
@@ -4963,7 +4893,7 @@
           <a:lstStyle/>
           <a:p>
             <a:r>
-              <a:rPr lang="en-US" dirty="0" smtClean="0"/>
+              <a:rPr lang="en-US" dirty="0"/>
               <a:t>Angular Seed Project</a:t>
             </a:r>
           </a:p>
@@ -4975,11 +4905,11 @@
               </a:rPr>
               <a:t>https://github.com/angular/angular-seed/</a:t>
             </a:r>
-            <a:endParaRPr lang="en-US" dirty="0" smtClean="0"/>
-          </a:p>
-          <a:p>
-            <a:r>
-              <a:rPr lang="en-US" dirty="0" smtClean="0"/>
+            <a:endParaRPr lang="en-US" dirty="0"/>
+          </a:p>
+          <a:p>
+            <a:r>
+              <a:rPr lang="en-US" dirty="0"/>
               <a:t>Yeoman</a:t>
             </a:r>
           </a:p>
@@ -5049,13 +4979,6 @@
   <p:transition>
     <p:fade/>
   </p:transition>
-  <p:timing>
-    <p:tnLst>
-      <p:par>
-        <p:cTn id="1" dur="indefinite" restart="never" nodeType="tmRoot"/>
-      </p:par>
-    </p:tnLst>
-  </p:timing>
 </p:sld>
 </file>
 
@@ -5093,17 +5016,12 @@
           <a:p>
             <a:r>
               <a:rPr lang="en-US" dirty="0" err="1"/>
-              <a:t>n</a:t>
-            </a:r>
-            <a:r>
-              <a:rPr lang="en-US" dirty="0" err="1" smtClean="0"/>
-              <a:t>g</a:t>
-            </a:r>
-            <a:r>
-              <a:rPr lang="en-US" dirty="0" smtClean="0"/>
+              <a:t>ng</a:t>
+            </a:r>
+            <a:r>
+              <a:rPr lang="en-US" dirty="0"/>
               <a:t> Directives</a:t>
             </a:r>
-            <a:endParaRPr lang="en-US" dirty="0"/>
           </a:p>
         </p:txBody>
       </p:sp>
@@ -5123,20 +5041,20 @@
           <a:lstStyle/>
           <a:p>
             <a:r>
-              <a:rPr lang="en-US" dirty="0" smtClean="0"/>
+              <a:rPr lang="en-US" dirty="0"/>
               <a:t>Extend HTML</a:t>
             </a:r>
           </a:p>
           <a:p>
             <a:pPr lvl="1"/>
             <a:r>
-              <a:rPr lang="en-US" dirty="0" smtClean="0"/>
+              <a:rPr lang="en-US" dirty="0"/>
               <a:t>Angular compiles the DOM</a:t>
             </a:r>
           </a:p>
           <a:p>
             <a:r>
-              <a:rPr lang="en-US" dirty="0" smtClean="0"/>
+              <a:rPr lang="en-US" dirty="0"/>
               <a:t>Can build your own directives</a:t>
             </a:r>
           </a:p>
@@ -5204,13 +5122,6 @@
   <p:transition>
     <p:fade/>
   </p:transition>
-  <p:timing>
-    <p:tnLst>
-      <p:par>
-        <p:cTn id="1" dur="indefinite" restart="never" nodeType="tmRoot"/>
-      </p:par>
-    </p:tnLst>
-  </p:timing>
 </p:sld>
 </file>
 
@@ -5247,10 +5158,9 @@
           <a:lstStyle/>
           <a:p>
             <a:r>
-              <a:rPr lang="en-US" dirty="0" smtClean="0"/>
+              <a:rPr lang="en-US" dirty="0"/>
               <a:t>Controllers</a:t>
             </a:r>
-            <a:endParaRPr lang="en-US" dirty="0"/>
           </a:p>
         </p:txBody>
       </p:sp>
@@ -5270,10 +5180,9 @@
           <a:lstStyle/>
           <a:p>
             <a:r>
-              <a:rPr lang="en-US" dirty="0" smtClean="0"/>
+              <a:rPr lang="en-US" dirty="0"/>
               <a:t>Manage the relationship between the model and the view</a:t>
             </a:r>
-            <a:endParaRPr lang="en-US" dirty="0"/>
           </a:p>
         </p:txBody>
       </p:sp>
@@ -5360,10 +5269,9 @@
           <a:lstStyle/>
           <a:p>
             <a:r>
-              <a:rPr lang="en-US" dirty="0" smtClean="0"/>
+              <a:rPr lang="en-US" dirty="0"/>
               <a:t>Controller As</a:t>
             </a:r>
-            <a:endParaRPr lang="en-US" dirty="0"/>
           </a:p>
         </p:txBody>
       </p:sp>
@@ -5483,10 +5391,9 @@
           <a:lstStyle/>
           <a:p>
             <a:r>
-              <a:rPr lang="en-US" dirty="0" smtClean="0"/>
+              <a:rPr lang="en-US" dirty="0"/>
               <a:t>Templates and Views</a:t>
             </a:r>
-            <a:endParaRPr lang="en-US" dirty="0"/>
           </a:p>
         </p:txBody>
       </p:sp>
@@ -5506,24 +5413,23 @@
           <a:lstStyle/>
           <a:p>
             <a:r>
-              <a:rPr lang="en-US" dirty="0" smtClean="0"/>
+              <a:rPr lang="en-US" dirty="0"/>
               <a:t>Responsible for presenting the model</a:t>
             </a:r>
           </a:p>
           <a:p>
             <a:pPr lvl="1"/>
             <a:r>
-              <a:rPr lang="en-US" dirty="0" smtClean="0"/>
+              <a:rPr lang="en-US" dirty="0"/>
               <a:t>Uses directives </a:t>
             </a:r>
           </a:p>
           <a:p>
             <a:pPr lvl="1"/>
             <a:r>
-              <a:rPr lang="en-US" dirty="0" smtClean="0"/>
+              <a:rPr lang="en-US" dirty="0"/>
               <a:t>Uses {{ interpolation }}</a:t>
             </a:r>
-            <a:endParaRPr lang="en-US" dirty="0"/>
           </a:p>
         </p:txBody>
       </p:sp>
